--- a/TheDebtBookPP.pptx
+++ b/TheDebtBookPP.pptx
@@ -109,7 +109,72 @@
       </a:defRPr>
     </a:lvl9pPr>
   </p:defaultTextStyle>
+  <p:extLst>
+    <p:ext uri="{EFAFB233-063F-42B5-8137-9DF3F51BA10A}">
+      <p15:sldGuideLst xmlns:p15="http://schemas.microsoft.com/office/powerpoint/2012/main"/>
+    </p:ext>
+  </p:extLst>
 </p:presentation>
+</file>
+
+<file path=ppt/changesInfos/changesInfo1.xml><?xml version="1.0" encoding="utf-8"?>
+<pc:chgInfo xmlns:a="http://schemas.openxmlformats.org/drawingml/2006/main" xmlns:r="http://schemas.openxmlformats.org/officeDocument/2006/relationships" xmlns:ac="http://schemas.microsoft.com/office/drawing/2013/main/command" xmlns:pc="http://schemas.microsoft.com/office/powerpoint/2013/main/command">
+  <pc:docChgLst>
+    <pc:chgData name="Danny Tran" userId="6008865b-992a-48e3-87ee-93a11a609748" providerId="ADAL" clId="{CE50EBFE-603C-49B2-9D31-8E091E349303}"/>
+    <pc:docChg chg="modSld">
+      <pc:chgData name="Danny Tran" userId="6008865b-992a-48e3-87ee-93a11a609748" providerId="ADAL" clId="{CE50EBFE-603C-49B2-9D31-8E091E349303}" dt="2018-10-21T16:24:14.880" v="19" actId="14100"/>
+      <pc:docMkLst>
+        <pc:docMk/>
+      </pc:docMkLst>
+      <pc:sldChg chg="addSp delSp modSp">
+        <pc:chgData name="Danny Tran" userId="6008865b-992a-48e3-87ee-93a11a609748" providerId="ADAL" clId="{CE50EBFE-603C-49B2-9D31-8E091E349303}" dt="2018-10-21T16:24:14.880" v="19" actId="14100"/>
+        <pc:sldMkLst>
+          <pc:docMk/>
+          <pc:sldMk cId="4087646180" sldId="259"/>
+        </pc:sldMkLst>
+        <pc:spChg chg="del">
+          <ac:chgData name="Danny Tran" userId="6008865b-992a-48e3-87ee-93a11a609748" providerId="ADAL" clId="{CE50EBFE-603C-49B2-9D31-8E091E349303}" dt="2018-10-21T16:23:50.310" v="12"/>
+          <ac:spMkLst>
+            <pc:docMk/>
+            <pc:sldMk cId="4087646180" sldId="259"/>
+            <ac:spMk id="3" creationId="{EAAEC54E-FB67-4FA1-9045-C7CC0502595B}"/>
+          </ac:spMkLst>
+        </pc:spChg>
+        <pc:picChg chg="add mod ord">
+          <ac:chgData name="Danny Tran" userId="6008865b-992a-48e3-87ee-93a11a609748" providerId="ADAL" clId="{CE50EBFE-603C-49B2-9D31-8E091E349303}" dt="2018-10-21T16:24:14.880" v="19" actId="14100"/>
+          <ac:picMkLst>
+            <pc:docMk/>
+            <pc:sldMk cId="4087646180" sldId="259"/>
+            <ac:picMk id="5" creationId="{8C430673-D1EC-4859-80CE-A46508EEB1E9}"/>
+          </ac:picMkLst>
+        </pc:picChg>
+      </pc:sldChg>
+      <pc:sldChg chg="addSp delSp modSp">
+        <pc:chgData name="Danny Tran" userId="6008865b-992a-48e3-87ee-93a11a609748" providerId="ADAL" clId="{CE50EBFE-603C-49B2-9D31-8E091E349303}" dt="2018-10-21T16:23:24.512" v="11" actId="14100"/>
+        <pc:sldMkLst>
+          <pc:docMk/>
+          <pc:sldMk cId="3442183164" sldId="260"/>
+        </pc:sldMkLst>
+        <pc:spChg chg="del">
+          <ac:chgData name="Danny Tran" userId="6008865b-992a-48e3-87ee-93a11a609748" providerId="ADAL" clId="{CE50EBFE-603C-49B2-9D31-8E091E349303}" dt="2018-10-21T16:22:43.707" v="0"/>
+          <ac:spMkLst>
+            <pc:docMk/>
+            <pc:sldMk cId="3442183164" sldId="260"/>
+            <ac:spMk id="3" creationId="{DFC49091-1ABF-4027-8CA4-0798E07CD216}"/>
+          </ac:spMkLst>
+        </pc:spChg>
+        <pc:picChg chg="add mod ord">
+          <ac:chgData name="Danny Tran" userId="6008865b-992a-48e3-87ee-93a11a609748" providerId="ADAL" clId="{CE50EBFE-603C-49B2-9D31-8E091E349303}" dt="2018-10-21T16:23:24.512" v="11" actId="14100"/>
+          <ac:picMkLst>
+            <pc:docMk/>
+            <pc:sldMk cId="3442183164" sldId="260"/>
+            <ac:picMk id="5" creationId="{B414749F-5D53-461D-9AF1-21C96D9C4D9D}"/>
+          </ac:picMkLst>
+        </pc:picChg>
+      </pc:sldChg>
+    </pc:docChg>
+  </pc:docChgLst>
+</pc:chgInfo>
 </file>
 
 <file path=ppt/slideLayouts/slideLayout1.xml><?xml version="1.0" encoding="utf-8"?>
@@ -6443,6 +6508,41 @@
           <a:chExt cx="0" cy="0"/>
         </a:xfrm>
       </p:grpSpPr>
+      <p:pic>
+        <p:nvPicPr>
+          <p:cNvPr id="5" name="Pladsholder til indhold 4" descr="Et billede, der indeholder skærmbillede&#10;&#10;Beskrivelse, der er oprettet med meget høj sikkerhed">
+            <a:extLst>
+              <a:ext uri="{FF2B5EF4-FFF2-40B4-BE49-F238E27FC236}">
+                <a16:creationId xmlns:a16="http://schemas.microsoft.com/office/drawing/2014/main" id="{B414749F-5D53-461D-9AF1-21C96D9C4D9D}"/>
+              </a:ext>
+            </a:extLst>
+          </p:cNvPr>
+          <p:cNvPicPr>
+            <a:picLocks noGrp="1" noChangeAspect="1"/>
+          </p:cNvPicPr>
+          <p:nvPr>
+            <p:ph idx="1"/>
+          </p:nvPr>
+        </p:nvPicPr>
+        <p:blipFill>
+          <a:blip r:embed="rId2">
+            <a:extLst>
+              <a:ext uri="{28A0092B-C50C-407E-A947-70E740481C1C}">
+                <a14:useLocalDpi xmlns:a14="http://schemas.microsoft.com/office/drawing/2010/main" val="0"/>
+              </a:ext>
+            </a:extLst>
+          </a:blip>
+          <a:stretch>
+            <a:fillRect/>
+          </a:stretch>
+        </p:blipFill>
+        <p:spPr>
+          <a:xfrm>
+            <a:off x="2886075" y="1727578"/>
+            <a:ext cx="6419850" cy="4400660"/>
+          </a:xfrm>
+        </p:spPr>
+      </p:pic>
       <p:sp>
         <p:nvSpPr>
           <p:cNvPr id="2" name="Titel 1">
@@ -6468,31 +6568,6 @@
               <a:rPr lang="da-DK" dirty="0"/>
               <a:t>Class Diagram</a:t>
             </a:r>
-          </a:p>
-        </p:txBody>
-      </p:sp>
-      <p:sp>
-        <p:nvSpPr>
-          <p:cNvPr id="3" name="Pladsholder til indhold 2">
-            <a:extLst>
-              <a:ext uri="{FF2B5EF4-FFF2-40B4-BE49-F238E27FC236}">
-                <a16:creationId xmlns:a16="http://schemas.microsoft.com/office/drawing/2014/main" id="{DFC49091-1ABF-4027-8CA4-0798E07CD216}"/>
-              </a:ext>
-            </a:extLst>
-          </p:cNvPr>
-          <p:cNvSpPr>
-            <a:spLocks noGrp="1"/>
-          </p:cNvSpPr>
-          <p:nvPr>
-            <p:ph idx="1"/>
-          </p:nvPr>
-        </p:nvSpPr>
-        <p:spPr/>
-        <p:txBody>
-          <a:bodyPr/>
-          <a:lstStyle/>
-          <a:p>
-            <a:endParaRPr lang="da-DK"/>
           </a:p>
         </p:txBody>
       </p:sp>
@@ -6526,6 +6601,41 @@
           <a:chExt cx="0" cy="0"/>
         </a:xfrm>
       </p:grpSpPr>
+      <p:pic>
+        <p:nvPicPr>
+          <p:cNvPr id="5" name="Pladsholder til indhold 4" descr="Et billede, der indeholder tekst, kort&#10;&#10;Beskrivelse, der er oprettet med meget høj sikkerhed">
+            <a:extLst>
+              <a:ext uri="{FF2B5EF4-FFF2-40B4-BE49-F238E27FC236}">
+                <a16:creationId xmlns:a16="http://schemas.microsoft.com/office/drawing/2014/main" id="{8C430673-D1EC-4859-80CE-A46508EEB1E9}"/>
+              </a:ext>
+            </a:extLst>
+          </p:cNvPr>
+          <p:cNvPicPr>
+            <a:picLocks noGrp="1" noChangeAspect="1"/>
+          </p:cNvPicPr>
+          <p:nvPr>
+            <p:ph idx="1"/>
+          </p:nvPr>
+        </p:nvPicPr>
+        <p:blipFill>
+          <a:blip r:embed="rId2">
+            <a:extLst>
+              <a:ext uri="{28A0092B-C50C-407E-A947-70E740481C1C}">
+                <a14:useLocalDpi xmlns:a14="http://schemas.microsoft.com/office/drawing/2010/main" val="0"/>
+              </a:ext>
+            </a:extLst>
+          </a:blip>
+          <a:stretch>
+            <a:fillRect/>
+          </a:stretch>
+        </p:blipFill>
+        <p:spPr>
+          <a:xfrm>
+            <a:off x="2198078" y="1743605"/>
+            <a:ext cx="7921868" cy="4223884"/>
+          </a:xfrm>
+        </p:spPr>
+      </p:pic>
       <p:sp>
         <p:nvSpPr>
           <p:cNvPr id="2" name="Titel 1">
@@ -6555,31 +6665,6 @@
               <a:rPr lang="da-DK" dirty="0"/>
               <a:t> Diagram</a:t>
             </a:r>
-          </a:p>
-        </p:txBody>
-      </p:sp>
-      <p:sp>
-        <p:nvSpPr>
-          <p:cNvPr id="3" name="Pladsholder til indhold 2">
-            <a:extLst>
-              <a:ext uri="{FF2B5EF4-FFF2-40B4-BE49-F238E27FC236}">
-                <a16:creationId xmlns:a16="http://schemas.microsoft.com/office/drawing/2014/main" id="{EAAEC54E-FB67-4FA1-9045-C7CC0502595B}"/>
-              </a:ext>
-            </a:extLst>
-          </p:cNvPr>
-          <p:cNvSpPr>
-            <a:spLocks noGrp="1"/>
-          </p:cNvSpPr>
-          <p:nvPr>
-            <p:ph idx="1"/>
-          </p:nvPr>
-        </p:nvSpPr>
-        <p:spPr/>
-        <p:txBody>
-          <a:bodyPr/>
-          <a:lstStyle/>
-          <a:p>
-            <a:endParaRPr lang="da-DK"/>
           </a:p>
         </p:txBody>
       </p:sp>
